--- a/prezi.pptx
+++ b/prezi.pptx
@@ -438,7 +438,7 @@
           <a:p>
             <a:fld id="{DD05C895-1398-6A48-A3F8-E53C3434EB68}" type="datetimeFigureOut">
               <a:rPr lang="en-HU" smtClean="0"/>
-              <a:t>12/17/2023</a:t>
+              <a:t>2023. 12. 18.</a:t>
             </a:fld>
             <a:endParaRPr lang="en-HU"/>
           </a:p>
@@ -980,7 +980,7 @@
           <a:p>
             <a:fld id="{D208048B-57AF-4F53-BC84-8E0A1033FBEC}" type="datetimeFigureOut">
               <a:rPr lang="en-US" smtClean="0"/>
-              <a:t>12/17/2023</a:t>
+              <a:t>12/18/23</a:t>
             </a:fld>
             <a:endParaRPr lang="en-US"/>
           </a:p>
@@ -1178,7 +1178,7 @@
           <a:p>
             <a:fld id="{D208048B-57AF-4F53-BC84-8E0A1033FBEC}" type="datetimeFigureOut">
               <a:rPr lang="en-US" smtClean="0"/>
-              <a:t>12/17/2023</a:t>
+              <a:t>12/18/23</a:t>
             </a:fld>
             <a:endParaRPr lang="en-US"/>
           </a:p>
@@ -2713,7 +2713,7 @@
           <a:p>
             <a:fld id="{D208048B-57AF-4F53-BC84-8E0A1033FBEC}" type="datetimeFigureOut">
               <a:rPr lang="en-US" smtClean="0"/>
-              <a:t>12/17/2023</a:t>
+              <a:t>12/18/23</a:t>
             </a:fld>
             <a:endParaRPr lang="en-US"/>
           </a:p>
@@ -2911,7 +2911,7 @@
           <a:p>
             <a:fld id="{D208048B-57AF-4F53-BC84-8E0A1033FBEC}" type="datetimeFigureOut">
               <a:rPr lang="en-US" smtClean="0"/>
-              <a:t>12/17/2023</a:t>
+              <a:t>12/18/23</a:t>
             </a:fld>
             <a:endParaRPr lang="en-US"/>
           </a:p>
@@ -3188,7 +3188,7 @@
           <a:p>
             <a:fld id="{D208048B-57AF-4F53-BC84-8E0A1033FBEC}" type="datetimeFigureOut">
               <a:rPr lang="en-US" smtClean="0"/>
-              <a:t>12/17/2023</a:t>
+              <a:t>12/18/23</a:t>
             </a:fld>
             <a:endParaRPr lang="en-US"/>
           </a:p>
@@ -4163,7 +4163,7 @@
           <a:p>
             <a:fld id="{D208048B-57AF-4F53-BC84-8E0A1033FBEC}" type="datetimeFigureOut">
               <a:rPr lang="en-US" smtClean="0"/>
-              <a:t>12/17/2023</a:t>
+              <a:t>12/18/23</a:t>
             </a:fld>
             <a:endParaRPr lang="en-US"/>
           </a:p>
@@ -5280,7 +5280,7 @@
           <a:p>
             <a:fld id="{D208048B-57AF-4F53-BC84-8E0A1033FBEC}" type="datetimeFigureOut">
               <a:rPr lang="en-US" smtClean="0"/>
-              <a:t>12/17/2023</a:t>
+              <a:t>12/18/23</a:t>
             </a:fld>
             <a:endParaRPr lang="en-US"/>
           </a:p>
@@ -5426,7 +5426,7 @@
           <a:p>
             <a:fld id="{D208048B-57AF-4F53-BC84-8E0A1033FBEC}" type="datetimeFigureOut">
               <a:rPr lang="en-US" smtClean="0"/>
-              <a:t>12/17/2023</a:t>
+              <a:t>12/18/23</a:t>
             </a:fld>
             <a:endParaRPr lang="en-US"/>
           </a:p>
@@ -5539,7 +5539,7 @@
           <a:p>
             <a:fld id="{D208048B-57AF-4F53-BC84-8E0A1033FBEC}" type="datetimeFigureOut">
               <a:rPr lang="en-US" smtClean="0"/>
-              <a:t>12/17/2023</a:t>
+              <a:t>12/18/23</a:t>
             </a:fld>
             <a:endParaRPr lang="en-US"/>
           </a:p>
@@ -7183,7 +7183,7 @@
           <a:p>
             <a:fld id="{D208048B-57AF-4F53-BC84-8E0A1033FBEC}" type="datetimeFigureOut">
               <a:rPr lang="en-US" smtClean="0"/>
-              <a:t>12/17/2023</a:t>
+              <a:t>12/18/23</a:t>
             </a:fld>
             <a:endParaRPr lang="en-US"/>
           </a:p>
@@ -8819,7 +8819,7 @@
           <a:p>
             <a:fld id="{D208048B-57AF-4F53-BC84-8E0A1033FBEC}" type="datetimeFigureOut">
               <a:rPr lang="en-US" smtClean="0"/>
-              <a:t>12/17/2023</a:t>
+              <a:t>12/18/23</a:t>
             </a:fld>
             <a:endParaRPr lang="en-US"/>
           </a:p>
@@ -9740,7 +9740,7 @@
             <a:fld id="{D208048B-57AF-4F53-BC84-8E0A1033FBEC}" type="datetimeFigureOut">
               <a:rPr lang="en-US" smtClean="0"/>
               <a:pPr/>
-              <a:t>12/17/2023</a:t>
+              <a:t>12/18/23</a:t>
             </a:fld>
             <a:endParaRPr lang="en-US"/>
           </a:p>
@@ -11678,37 +11678,37 @@
           </a:bodyPr>
           <a:lstStyle/>
           <a:p>
-            <a:endParaRPr lang="en-HU"/>
-          </a:p>
-          <a:p>
-            <a:r>
-              <a:rPr lang="en-HU"/>
+            <a:endParaRPr lang="en-HU" dirty="0"/>
+          </a:p>
+          <a:p>
+            <a:r>
+              <a:rPr lang="en-HU" dirty="0"/>
               <a:t>Gained experience in SSL</a:t>
             </a:r>
           </a:p>
           <a:p>
             <a:r>
-              <a:rPr lang="en-HU"/>
+              <a:rPr lang="en-HU" dirty="0"/>
               <a:t>Two different type of frameworks</a:t>
             </a:r>
           </a:p>
           <a:p>
             <a:r>
-              <a:rPr lang="en-HU"/>
+              <a:rPr lang="en-HU" dirty="0"/>
               <a:t>Future possibilities:</a:t>
             </a:r>
           </a:p>
           <a:p>
             <a:pPr lvl="1"/>
             <a:r>
-              <a:rPr lang="en-GB" sz="1800">
+              <a:rPr lang="en-GB" sz="1800" dirty="0">
                 <a:latin typeface="Helvetica"/>
                 <a:cs typeface="Helvetica"/>
               </a:rPr>
               <a:t>I</a:t>
             </a:r>
             <a:r>
-              <a:rPr lang="en-GB" sz="1800">
+              <a:rPr lang="en-GB" sz="1800" dirty="0">
                 <a:effectLst/>
                 <a:latin typeface="Helvetica"/>
                 <a:cs typeface="Helvetica"/>
@@ -11716,7 +11716,7 @@
               <a:t>ntegrating </a:t>
             </a:r>
             <a:r>
-              <a:rPr lang="en-GB" sz="1800">
+              <a:rPr lang="en-GB" sz="1800" dirty="0">
                 <a:latin typeface="Helvetica"/>
                 <a:cs typeface="Helvetica"/>
               </a:rPr>
@@ -12637,7 +12637,7 @@
         </p:blipFill>
         <p:spPr>
           <a:xfrm>
-            <a:off x="7872678" y="3577573"/>
+            <a:off x="7928434" y="736846"/>
             <a:ext cx="3500833" cy="2719733"/>
           </a:xfrm>
           <a:prstGeom prst="rect">
@@ -12674,7 +12674,7 @@
         </p:blipFill>
         <p:spPr bwMode="auto">
           <a:xfrm>
-            <a:off x="7243269" y="912997"/>
+            <a:off x="7299025" y="4251072"/>
             <a:ext cx="4759652" cy="2367431"/>
           </a:xfrm>
           <a:prstGeom prst="rect">
@@ -12774,13 +12774,13 @@
           <a:lstStyle/>
           <a:p>
             <a:r>
-              <a:rPr lang="en-GB" sz="2400">
+              <a:rPr lang="en-GB" sz="2400" dirty="0">
                 <a:latin typeface="Helvetica" pitchFamily="2" charset="0"/>
               </a:rPr>
               <a:t>D</a:t>
             </a:r>
             <a:r>
-              <a:rPr lang="en-GB" sz="2400">
+              <a:rPr lang="en-GB" sz="2400" dirty="0">
                 <a:effectLst/>
                 <a:latin typeface="Helvetica" pitchFamily="2" charset="0"/>
               </a:rPr>
@@ -12789,20 +12789,20 @@
           </a:p>
           <a:p>
             <a:r>
-              <a:rPr lang="en-GB" sz="2400">
+              <a:rPr lang="en-GB" sz="2400" dirty="0">
                 <a:effectLst/>
                 <a:latin typeface="Helvetica" pitchFamily="2" charset="0"/>
               </a:rPr>
               <a:t>Pretraining</a:t>
             </a:r>
             <a:r>
-              <a:rPr lang="en-GB" sz="2400">
+              <a:rPr lang="en-GB" sz="2400" dirty="0">
                 <a:latin typeface="Helvetica" pitchFamily="2" charset="0"/>
               </a:rPr>
               <a:t> </a:t>
             </a:r>
             <a:r>
-              <a:rPr lang="en-GB" sz="2400">
+              <a:rPr lang="en-GB" sz="2400" dirty="0">
                 <a:effectLst/>
                 <a:latin typeface="Helvetica" pitchFamily="2" charset="0"/>
               </a:rPr>
@@ -12811,13 +12811,13 @@
           </a:p>
           <a:p>
             <a:r>
-              <a:rPr lang="en-GB" sz="2400">
+              <a:rPr lang="en-GB" sz="2400" dirty="0">
                 <a:latin typeface="Helvetica" pitchFamily="2" charset="0"/>
               </a:rPr>
               <a:t>L</a:t>
             </a:r>
             <a:r>
-              <a:rPr lang="en-GB" sz="2400">
+              <a:rPr lang="en-GB" sz="2400" dirty="0">
                 <a:effectLst/>
                 <a:latin typeface="Helvetica" pitchFamily="2" charset="0"/>
               </a:rPr>
@@ -12827,13 +12827,13 @@
           <a:p>
             <a:pPr lvl="1"/>
             <a:r>
-              <a:rPr lang="en-GB" sz="2400">
+              <a:rPr lang="en-GB" sz="2400" dirty="0">
                 <a:latin typeface="Helvetica" pitchFamily="2" charset="0"/>
               </a:rPr>
               <a:t>L</a:t>
             </a:r>
             <a:r>
-              <a:rPr lang="en-GB" sz="2400">
+              <a:rPr lang="en-GB" sz="2400" dirty="0">
                 <a:effectLst/>
                 <a:latin typeface="Helvetica" pitchFamily="2" charset="0"/>
               </a:rPr>
@@ -12843,13 +12843,13 @@
           <a:p>
             <a:pPr lvl="1"/>
             <a:r>
-              <a:rPr lang="en-GB" sz="2400">
+              <a:rPr lang="en-GB" sz="2400" dirty="0">
                 <a:latin typeface="Helvetica" pitchFamily="2" charset="0"/>
               </a:rPr>
               <a:t>F</a:t>
             </a:r>
             <a:r>
-              <a:rPr lang="en-GB" sz="2400">
+              <a:rPr lang="en-GB" sz="2400" dirty="0">
                 <a:effectLst/>
                 <a:latin typeface="Helvetica" pitchFamily="2" charset="0"/>
               </a:rPr>
@@ -12859,7 +12859,7 @@
           <a:p>
             <a:pPr lvl="1"/>
             <a:r>
-              <a:rPr lang="en-GB" sz="2400">
+              <a:rPr lang="en-GB" sz="2400" dirty="0">
                 <a:effectLst/>
                 <a:latin typeface="Helvetica" pitchFamily="2" charset="0"/>
               </a:rPr>
@@ -12868,32 +12868,32 @@
           </a:p>
           <a:p>
             <a:r>
-              <a:rPr lang="en-GB" sz="2400">
+              <a:rPr lang="en-GB" sz="2400" dirty="0">
                 <a:latin typeface="Helvetica"/>
                 <a:cs typeface="Helvetica"/>
               </a:rPr>
               <a:t>Initial experiments: VISSL (unsuccessful)</a:t>
             </a:r>
-            <a:endParaRPr lang="en-GB" sz="2400">
+            <a:endParaRPr lang="en-GB" sz="2400" dirty="0">
               <a:effectLst/>
               <a:latin typeface="Helvetica" pitchFamily="2" charset="0"/>
               <a:cs typeface="Helvetica"/>
             </a:endParaRPr>
           </a:p>
           <a:p>
-            <a:endParaRPr lang="en-GB">
+            <a:endParaRPr lang="en-GB" dirty="0">
               <a:effectLst/>
               <a:latin typeface="Helvetica" pitchFamily="2" charset="0"/>
             </a:endParaRPr>
           </a:p>
           <a:p>
-            <a:endParaRPr lang="en-GB">
+            <a:endParaRPr lang="en-GB" dirty="0">
               <a:effectLst/>
               <a:latin typeface="Helvetica" pitchFamily="2" charset="0"/>
             </a:endParaRPr>
           </a:p>
           <a:p>
-            <a:endParaRPr lang="en-HU"/>
+            <a:endParaRPr lang="en-HU" dirty="0"/>
           </a:p>
         </p:txBody>
       </p:sp>
